--- a/docu/media/sources/ImageSources.pptx
+++ b/docu/media/sources/ImageSources.pptx
@@ -106,6 +106,11 @@
       </a:defRPr>
     </a:lvl9pPr>
   </p:defaultTextStyle>
+  <p:extLst>
+    <p:ext uri="{EFAFB233-063F-42B5-8137-9DF3F51BA10A}">
+      <p15:sldGuideLst xmlns:p15="http://schemas.microsoft.com/office/powerpoint/2012/main"/>
+    </p:ext>
+  </p:extLst>
 </p:presentation>
 </file>
 
@@ -256,7 +261,7 @@
           <a:p>
             <a:fld id="{AE3EA25D-9DE8-4BB3-B81B-5F86581F15CE}" type="datetimeFigureOut">
               <a:rPr lang="de-DE" smtClean="0"/>
-              <a:t>15.03.2024</a:t>
+              <a:t>08.04.2024</a:t>
             </a:fld>
             <a:endParaRPr lang="de-DE"/>
           </a:p>
@@ -454,7 +459,7 @@
           <a:p>
             <a:fld id="{AE3EA25D-9DE8-4BB3-B81B-5F86581F15CE}" type="datetimeFigureOut">
               <a:rPr lang="de-DE" smtClean="0"/>
-              <a:t>15.03.2024</a:t>
+              <a:t>08.04.2024</a:t>
             </a:fld>
             <a:endParaRPr lang="de-DE"/>
           </a:p>
@@ -662,7 +667,7 @@
           <a:p>
             <a:fld id="{AE3EA25D-9DE8-4BB3-B81B-5F86581F15CE}" type="datetimeFigureOut">
               <a:rPr lang="de-DE" smtClean="0"/>
-              <a:t>15.03.2024</a:t>
+              <a:t>08.04.2024</a:t>
             </a:fld>
             <a:endParaRPr lang="de-DE"/>
           </a:p>
@@ -860,7 +865,7 @@
           <a:p>
             <a:fld id="{AE3EA25D-9DE8-4BB3-B81B-5F86581F15CE}" type="datetimeFigureOut">
               <a:rPr lang="de-DE" smtClean="0"/>
-              <a:t>15.03.2024</a:t>
+              <a:t>08.04.2024</a:t>
             </a:fld>
             <a:endParaRPr lang="de-DE"/>
           </a:p>
@@ -1135,7 +1140,7 @@
           <a:p>
             <a:fld id="{AE3EA25D-9DE8-4BB3-B81B-5F86581F15CE}" type="datetimeFigureOut">
               <a:rPr lang="de-DE" smtClean="0"/>
-              <a:t>15.03.2024</a:t>
+              <a:t>08.04.2024</a:t>
             </a:fld>
             <a:endParaRPr lang="de-DE"/>
           </a:p>
@@ -1400,7 +1405,7 @@
           <a:p>
             <a:fld id="{AE3EA25D-9DE8-4BB3-B81B-5F86581F15CE}" type="datetimeFigureOut">
               <a:rPr lang="de-DE" smtClean="0"/>
-              <a:t>15.03.2024</a:t>
+              <a:t>08.04.2024</a:t>
             </a:fld>
             <a:endParaRPr lang="de-DE"/>
           </a:p>
@@ -1812,7 +1817,7 @@
           <a:p>
             <a:fld id="{AE3EA25D-9DE8-4BB3-B81B-5F86581F15CE}" type="datetimeFigureOut">
               <a:rPr lang="de-DE" smtClean="0"/>
-              <a:t>15.03.2024</a:t>
+              <a:t>08.04.2024</a:t>
             </a:fld>
             <a:endParaRPr lang="de-DE"/>
           </a:p>
@@ -1953,7 +1958,7 @@
           <a:p>
             <a:fld id="{AE3EA25D-9DE8-4BB3-B81B-5F86581F15CE}" type="datetimeFigureOut">
               <a:rPr lang="de-DE" smtClean="0"/>
-              <a:t>15.03.2024</a:t>
+              <a:t>08.04.2024</a:t>
             </a:fld>
             <a:endParaRPr lang="de-DE"/>
           </a:p>
@@ -2066,7 +2071,7 @@
           <a:p>
             <a:fld id="{AE3EA25D-9DE8-4BB3-B81B-5F86581F15CE}" type="datetimeFigureOut">
               <a:rPr lang="de-DE" smtClean="0"/>
-              <a:t>15.03.2024</a:t>
+              <a:t>08.04.2024</a:t>
             </a:fld>
             <a:endParaRPr lang="de-DE"/>
           </a:p>
@@ -2377,7 +2382,7 @@
           <a:p>
             <a:fld id="{AE3EA25D-9DE8-4BB3-B81B-5F86581F15CE}" type="datetimeFigureOut">
               <a:rPr lang="de-DE" smtClean="0"/>
-              <a:t>15.03.2024</a:t>
+              <a:t>08.04.2024</a:t>
             </a:fld>
             <a:endParaRPr lang="de-DE"/>
           </a:p>
@@ -2665,7 +2670,7 @@
           <a:p>
             <a:fld id="{AE3EA25D-9DE8-4BB3-B81B-5F86581F15CE}" type="datetimeFigureOut">
               <a:rPr lang="de-DE" smtClean="0"/>
-              <a:t>15.03.2024</a:t>
+              <a:t>08.04.2024</a:t>
             </a:fld>
             <a:endParaRPr lang="de-DE"/>
           </a:p>
@@ -2906,7 +2911,7 @@
           <a:p>
             <a:fld id="{AE3EA25D-9DE8-4BB3-B81B-5F86581F15CE}" type="datetimeFigureOut">
               <a:rPr lang="de-DE" smtClean="0"/>
-              <a:t>15.03.2024</a:t>
+              <a:t>08.04.2024</a:t>
             </a:fld>
             <a:endParaRPr lang="de-DE"/>
           </a:p>
@@ -3325,10 +3330,10 @@
       </p:grpSpPr>
       <p:pic>
         <p:nvPicPr>
-          <p:cNvPr id="7" name="Grafik 6">
-            <a:extLst>
-              <a:ext uri="{FF2B5EF4-FFF2-40B4-BE49-F238E27FC236}">
-                <a16:creationId xmlns:a16="http://schemas.microsoft.com/office/drawing/2014/main" id="{7E571F9C-3C3C-9558-3F8E-22128FD2A7A6}"/>
+          <p:cNvPr id="3" name="Grafik 2">
+            <a:extLst>
+              <a:ext uri="{FF2B5EF4-FFF2-40B4-BE49-F238E27FC236}">
+                <a16:creationId xmlns:a16="http://schemas.microsoft.com/office/drawing/2014/main" id="{2A60C415-4C1C-93F6-1980-4DD18206001B}"/>
               </a:ext>
             </a:extLst>
           </p:cNvPr>
@@ -3345,8 +3350,8 @@
         </p:blipFill>
         <p:spPr>
           <a:xfrm>
-            <a:off x="309248" y="139959"/>
-            <a:ext cx="11167405" cy="6440813"/>
+            <a:off x="301454" y="148738"/>
+            <a:ext cx="11246524" cy="6440814"/>
           </a:xfrm>
           <a:prstGeom prst="rect">
             <a:avLst/>
@@ -3812,10 +3817,10 @@
       </p:grpSpPr>
       <p:pic>
         <p:nvPicPr>
-          <p:cNvPr id="3" name="Grafik 2">
-            <a:extLst>
-              <a:ext uri="{FF2B5EF4-FFF2-40B4-BE49-F238E27FC236}">
-                <a16:creationId xmlns:a16="http://schemas.microsoft.com/office/drawing/2014/main" id="{C6F609E7-F30D-7455-0907-E1626CD4CF14}"/>
+          <p:cNvPr id="4" name="Grafik 3">
+            <a:extLst>
+              <a:ext uri="{FF2B5EF4-FFF2-40B4-BE49-F238E27FC236}">
+                <a16:creationId xmlns:a16="http://schemas.microsoft.com/office/drawing/2014/main" id="{3115FC50-6928-C582-0C2B-741E56BFB82A}"/>
               </a:ext>
             </a:extLst>
           </p:cNvPr>
@@ -3832,8 +3837,8 @@
         </p:blipFill>
         <p:spPr>
           <a:xfrm>
-            <a:off x="4447475" y="936929"/>
-            <a:ext cx="5276850" cy="4038600"/>
+            <a:off x="4495100" y="960741"/>
+            <a:ext cx="5229225" cy="3990975"/>
           </a:xfrm>
           <a:prstGeom prst="rect">
             <a:avLst/>
@@ -4055,10 +4060,10 @@
       </p:grpSpPr>
       <p:pic>
         <p:nvPicPr>
-          <p:cNvPr id="5" name="Grafik 4">
-            <a:extLst>
-              <a:ext uri="{FF2B5EF4-FFF2-40B4-BE49-F238E27FC236}">
-                <a16:creationId xmlns:a16="http://schemas.microsoft.com/office/drawing/2014/main" id="{7A214C52-882B-526F-AAE1-69D253345F4F}"/>
+          <p:cNvPr id="4" name="Grafik 3">
+            <a:extLst>
+              <a:ext uri="{FF2B5EF4-FFF2-40B4-BE49-F238E27FC236}">
+                <a16:creationId xmlns:a16="http://schemas.microsoft.com/office/drawing/2014/main" id="{187F47D9-CE67-7564-58B4-C86B598041D1}"/>
               </a:ext>
             </a:extLst>
           </p:cNvPr>
@@ -4075,8 +4080,8 @@
         </p:blipFill>
         <p:spPr>
           <a:xfrm>
-            <a:off x="4461629" y="926126"/>
-            <a:ext cx="5257800" cy="4714875"/>
+            <a:off x="4461629" y="1183300"/>
+            <a:ext cx="5229225" cy="4200525"/>
           </a:xfrm>
           <a:prstGeom prst="rect">
             <a:avLst/>
@@ -4097,7 +4102,7 @@
         </p:nvSpPr>
         <p:spPr>
           <a:xfrm>
-            <a:off x="6806724" y="1885898"/>
+            <a:off x="6870968" y="2070455"/>
             <a:ext cx="410546" cy="410546"/>
           </a:xfrm>
           <a:prstGeom prst="ellipse">
@@ -4158,7 +4163,7 @@
         </p:nvSpPr>
         <p:spPr>
           <a:xfrm>
-            <a:off x="7637234" y="2750956"/>
+            <a:off x="7469454" y="2893569"/>
             <a:ext cx="410546" cy="410546"/>
           </a:xfrm>
           <a:prstGeom prst="ellipse">
@@ -4280,7 +4285,7 @@
         </p:nvSpPr>
         <p:spPr>
           <a:xfrm>
-            <a:off x="8128565" y="4986440"/>
+            <a:off x="8111787" y="4793494"/>
             <a:ext cx="410546" cy="410546"/>
           </a:xfrm>
           <a:prstGeom prst="ellipse">

--- a/docu/media/sources/ImageSources.pptx
+++ b/docu/media/sources/ImageSources.pptx
@@ -6,8 +6,9 @@
   </p:sldMasterIdLst>
   <p:sldIdLst>
     <p:sldId id="256" r:id="rId2"/>
-    <p:sldId id="257" r:id="rId3"/>
-    <p:sldId id="258" r:id="rId4"/>
+    <p:sldId id="259" r:id="rId3"/>
+    <p:sldId id="257" r:id="rId4"/>
+    <p:sldId id="258" r:id="rId5"/>
   </p:sldIdLst>
   <p:sldSz cx="12192000" cy="6858000"/>
   <p:notesSz cx="6858000" cy="9144000"/>
@@ -261,7 +262,7 @@
           <a:p>
             <a:fld id="{AE3EA25D-9DE8-4BB3-B81B-5F86581F15CE}" type="datetimeFigureOut">
               <a:rPr lang="de-DE" smtClean="0"/>
-              <a:t>08.04.2024</a:t>
+              <a:t>25.04.2024</a:t>
             </a:fld>
             <a:endParaRPr lang="de-DE"/>
           </a:p>
@@ -459,7 +460,7 @@
           <a:p>
             <a:fld id="{AE3EA25D-9DE8-4BB3-B81B-5F86581F15CE}" type="datetimeFigureOut">
               <a:rPr lang="de-DE" smtClean="0"/>
-              <a:t>08.04.2024</a:t>
+              <a:t>25.04.2024</a:t>
             </a:fld>
             <a:endParaRPr lang="de-DE"/>
           </a:p>
@@ -667,7 +668,7 @@
           <a:p>
             <a:fld id="{AE3EA25D-9DE8-4BB3-B81B-5F86581F15CE}" type="datetimeFigureOut">
               <a:rPr lang="de-DE" smtClean="0"/>
-              <a:t>08.04.2024</a:t>
+              <a:t>25.04.2024</a:t>
             </a:fld>
             <a:endParaRPr lang="de-DE"/>
           </a:p>
@@ -865,7 +866,7 @@
           <a:p>
             <a:fld id="{AE3EA25D-9DE8-4BB3-B81B-5F86581F15CE}" type="datetimeFigureOut">
               <a:rPr lang="de-DE" smtClean="0"/>
-              <a:t>08.04.2024</a:t>
+              <a:t>25.04.2024</a:t>
             </a:fld>
             <a:endParaRPr lang="de-DE"/>
           </a:p>
@@ -1140,7 +1141,7 @@
           <a:p>
             <a:fld id="{AE3EA25D-9DE8-4BB3-B81B-5F86581F15CE}" type="datetimeFigureOut">
               <a:rPr lang="de-DE" smtClean="0"/>
-              <a:t>08.04.2024</a:t>
+              <a:t>25.04.2024</a:t>
             </a:fld>
             <a:endParaRPr lang="de-DE"/>
           </a:p>
@@ -1405,7 +1406,7 @@
           <a:p>
             <a:fld id="{AE3EA25D-9DE8-4BB3-B81B-5F86581F15CE}" type="datetimeFigureOut">
               <a:rPr lang="de-DE" smtClean="0"/>
-              <a:t>08.04.2024</a:t>
+              <a:t>25.04.2024</a:t>
             </a:fld>
             <a:endParaRPr lang="de-DE"/>
           </a:p>
@@ -1817,7 +1818,7 @@
           <a:p>
             <a:fld id="{AE3EA25D-9DE8-4BB3-B81B-5F86581F15CE}" type="datetimeFigureOut">
               <a:rPr lang="de-DE" smtClean="0"/>
-              <a:t>08.04.2024</a:t>
+              <a:t>25.04.2024</a:t>
             </a:fld>
             <a:endParaRPr lang="de-DE"/>
           </a:p>
@@ -1958,7 +1959,7 @@
           <a:p>
             <a:fld id="{AE3EA25D-9DE8-4BB3-B81B-5F86581F15CE}" type="datetimeFigureOut">
               <a:rPr lang="de-DE" smtClean="0"/>
-              <a:t>08.04.2024</a:t>
+              <a:t>25.04.2024</a:t>
             </a:fld>
             <a:endParaRPr lang="de-DE"/>
           </a:p>
@@ -2071,7 +2072,7 @@
           <a:p>
             <a:fld id="{AE3EA25D-9DE8-4BB3-B81B-5F86581F15CE}" type="datetimeFigureOut">
               <a:rPr lang="de-DE" smtClean="0"/>
-              <a:t>08.04.2024</a:t>
+              <a:t>25.04.2024</a:t>
             </a:fld>
             <a:endParaRPr lang="de-DE"/>
           </a:p>
@@ -2382,7 +2383,7 @@
           <a:p>
             <a:fld id="{AE3EA25D-9DE8-4BB3-B81B-5F86581F15CE}" type="datetimeFigureOut">
               <a:rPr lang="de-DE" smtClean="0"/>
-              <a:t>08.04.2024</a:t>
+              <a:t>25.04.2024</a:t>
             </a:fld>
             <a:endParaRPr lang="de-DE"/>
           </a:p>
@@ -2670,7 +2671,7 @@
           <a:p>
             <a:fld id="{AE3EA25D-9DE8-4BB3-B81B-5F86581F15CE}" type="datetimeFigureOut">
               <a:rPr lang="de-DE" smtClean="0"/>
-              <a:t>08.04.2024</a:t>
+              <a:t>25.04.2024</a:t>
             </a:fld>
             <a:endParaRPr lang="de-DE"/>
           </a:p>
@@ -2911,7 +2912,7 @@
           <a:p>
             <a:fld id="{AE3EA25D-9DE8-4BB3-B81B-5F86581F15CE}" type="datetimeFigureOut">
               <a:rPr lang="de-DE" smtClean="0"/>
-              <a:t>08.04.2024</a:t>
+              <a:t>25.04.2024</a:t>
             </a:fld>
             <a:endParaRPr lang="de-DE"/>
           </a:p>
@@ -3330,10 +3331,10 @@
       </p:grpSpPr>
       <p:pic>
         <p:nvPicPr>
-          <p:cNvPr id="3" name="Grafik 2">
-            <a:extLst>
-              <a:ext uri="{FF2B5EF4-FFF2-40B4-BE49-F238E27FC236}">
-                <a16:creationId xmlns:a16="http://schemas.microsoft.com/office/drawing/2014/main" id="{2A60C415-4C1C-93F6-1980-4DD18206001B}"/>
+          <p:cNvPr id="6" name="Grafik 5">
+            <a:extLst>
+              <a:ext uri="{FF2B5EF4-FFF2-40B4-BE49-F238E27FC236}">
+                <a16:creationId xmlns:a16="http://schemas.microsoft.com/office/drawing/2014/main" id="{152D43A4-C3FD-993F-16E1-B65EF9BEEF34}"/>
               </a:ext>
             </a:extLst>
           </p:cNvPr>
@@ -3350,8 +3351,8 @@
         </p:blipFill>
         <p:spPr>
           <a:xfrm>
-            <a:off x="301454" y="148738"/>
-            <a:ext cx="11246524" cy="6440814"/>
+            <a:off x="510074" y="209725"/>
+            <a:ext cx="9758105" cy="6241409"/>
           </a:xfrm>
           <a:prstGeom prst="rect">
             <a:avLst/>
@@ -3616,7 +3617,7 @@
         </p:nvSpPr>
         <p:spPr>
           <a:xfrm>
-            <a:off x="11271380" y="1885898"/>
+            <a:off x="9979475" y="2091171"/>
             <a:ext cx="410546" cy="410546"/>
           </a:xfrm>
           <a:prstGeom prst="ellipse">
@@ -3738,7 +3739,7 @@
         </p:nvSpPr>
         <p:spPr>
           <a:xfrm>
-            <a:off x="5361279" y="2689030"/>
+            <a:off x="4978580" y="2663863"/>
             <a:ext cx="410546" cy="410546"/>
           </a:xfrm>
           <a:prstGeom prst="ellipse">
@@ -3817,10 +3818,10 @@
       </p:grpSpPr>
       <p:pic>
         <p:nvPicPr>
-          <p:cNvPr id="4" name="Grafik 3">
-            <a:extLst>
-              <a:ext uri="{FF2B5EF4-FFF2-40B4-BE49-F238E27FC236}">
-                <a16:creationId xmlns:a16="http://schemas.microsoft.com/office/drawing/2014/main" id="{3115FC50-6928-C582-0C2B-741E56BFB82A}"/>
+          <p:cNvPr id="5" name="Grafik 4">
+            <a:extLst>
+              <a:ext uri="{FF2B5EF4-FFF2-40B4-BE49-F238E27FC236}">
+                <a16:creationId xmlns:a16="http://schemas.microsoft.com/office/drawing/2014/main" id="{1E05BD8C-C000-39D8-DEAD-811BFD8D3060}"/>
               </a:ext>
             </a:extLst>
           </p:cNvPr>
@@ -3837,8 +3838,251 @@
         </p:blipFill>
         <p:spPr>
           <a:xfrm>
-            <a:off x="4495100" y="960741"/>
-            <a:ext cx="5229225" cy="3990975"/>
+            <a:off x="3519487" y="1638300"/>
+            <a:ext cx="5153025" cy="3581400"/>
+          </a:xfrm>
+          <a:prstGeom prst="rect">
+            <a:avLst/>
+          </a:prstGeom>
+        </p:spPr>
+      </p:pic>
+      <p:sp>
+        <p:nvSpPr>
+          <p:cNvPr id="6" name="Ellipse 5">
+            <a:extLst>
+              <a:ext uri="{FF2B5EF4-FFF2-40B4-BE49-F238E27FC236}">
+                <a16:creationId xmlns:a16="http://schemas.microsoft.com/office/drawing/2014/main" id="{58419D75-F48B-AE7F-3164-074EE089B9CA}"/>
+              </a:ext>
+            </a:extLst>
+          </p:cNvPr>
+          <p:cNvSpPr/>
+          <p:nvPr/>
+        </p:nvSpPr>
+        <p:spPr>
+          <a:xfrm>
+            <a:off x="8569154" y="2296444"/>
+            <a:ext cx="410546" cy="410546"/>
+          </a:xfrm>
+          <a:prstGeom prst="ellipse">
+            <a:avLst/>
+          </a:prstGeom>
+          <a:solidFill>
+            <a:schemeClr val="bg1"/>
+          </a:solidFill>
+          <a:ln w="38100">
+            <a:solidFill>
+              <a:srgbClr val="FF0000"/>
+            </a:solidFill>
+          </a:ln>
+        </p:spPr>
+        <p:style>
+          <a:lnRef idx="2">
+            <a:schemeClr val="accent1">
+              <a:shade val="15000"/>
+            </a:schemeClr>
+          </a:lnRef>
+          <a:fillRef idx="1">
+            <a:schemeClr val="accent1"/>
+          </a:fillRef>
+          <a:effectRef idx="0">
+            <a:schemeClr val="accent1"/>
+          </a:effectRef>
+          <a:fontRef idx="minor">
+            <a:schemeClr val="lt1"/>
+          </a:fontRef>
+        </p:style>
+        <p:txBody>
+          <a:bodyPr rtlCol="0" anchor="ctr"/>
+          <a:lstStyle/>
+          <a:p>
+            <a:pPr algn="ctr"/>
+            <a:r>
+              <a:rPr lang="de-DE" dirty="0">
+                <a:solidFill>
+                  <a:srgbClr val="FF0000"/>
+                </a:solidFill>
+              </a:rPr>
+              <a:t>1</a:t>
+            </a:r>
+          </a:p>
+        </p:txBody>
+      </p:sp>
+      <p:sp>
+        <p:nvSpPr>
+          <p:cNvPr id="7" name="Ellipse 6">
+            <a:extLst>
+              <a:ext uri="{FF2B5EF4-FFF2-40B4-BE49-F238E27FC236}">
+                <a16:creationId xmlns:a16="http://schemas.microsoft.com/office/drawing/2014/main" id="{712FD11E-15A5-B769-BACE-81346D142E23}"/>
+              </a:ext>
+            </a:extLst>
+          </p:cNvPr>
+          <p:cNvSpPr/>
+          <p:nvPr/>
+        </p:nvSpPr>
+        <p:spPr>
+          <a:xfrm>
+            <a:off x="8363881" y="3552799"/>
+            <a:ext cx="410546" cy="410546"/>
+          </a:xfrm>
+          <a:prstGeom prst="ellipse">
+            <a:avLst/>
+          </a:prstGeom>
+          <a:solidFill>
+            <a:schemeClr val="bg1"/>
+          </a:solidFill>
+          <a:ln w="38100">
+            <a:solidFill>
+              <a:srgbClr val="FF0000"/>
+            </a:solidFill>
+          </a:ln>
+        </p:spPr>
+        <p:style>
+          <a:lnRef idx="2">
+            <a:schemeClr val="accent1">
+              <a:shade val="15000"/>
+            </a:schemeClr>
+          </a:lnRef>
+          <a:fillRef idx="1">
+            <a:schemeClr val="accent1"/>
+          </a:fillRef>
+          <a:effectRef idx="0">
+            <a:schemeClr val="accent1"/>
+          </a:effectRef>
+          <a:fontRef idx="minor">
+            <a:schemeClr val="lt1"/>
+          </a:fontRef>
+        </p:style>
+        <p:txBody>
+          <a:bodyPr rtlCol="0" anchor="ctr"/>
+          <a:lstStyle/>
+          <a:p>
+            <a:pPr algn="ctr"/>
+            <a:r>
+              <a:rPr lang="de-DE" dirty="0">
+                <a:solidFill>
+                  <a:srgbClr val="FF0000"/>
+                </a:solidFill>
+              </a:rPr>
+              <a:t>2</a:t>
+            </a:r>
+          </a:p>
+        </p:txBody>
+      </p:sp>
+      <p:sp>
+        <p:nvSpPr>
+          <p:cNvPr id="8" name="Ellipse 7">
+            <a:extLst>
+              <a:ext uri="{FF2B5EF4-FFF2-40B4-BE49-F238E27FC236}">
+                <a16:creationId xmlns:a16="http://schemas.microsoft.com/office/drawing/2014/main" id="{C2123CFE-98EA-8920-DE4D-21285EC85964}"/>
+              </a:ext>
+            </a:extLst>
+          </p:cNvPr>
+          <p:cNvSpPr/>
+          <p:nvPr/>
+        </p:nvSpPr>
+        <p:spPr>
+          <a:xfrm>
+            <a:off x="5890726" y="4809154"/>
+            <a:ext cx="410546" cy="410546"/>
+          </a:xfrm>
+          <a:prstGeom prst="ellipse">
+            <a:avLst/>
+          </a:prstGeom>
+          <a:solidFill>
+            <a:schemeClr val="bg1"/>
+          </a:solidFill>
+          <a:ln w="38100">
+            <a:solidFill>
+              <a:srgbClr val="FF0000"/>
+            </a:solidFill>
+          </a:ln>
+        </p:spPr>
+        <p:style>
+          <a:lnRef idx="2">
+            <a:schemeClr val="accent1">
+              <a:shade val="15000"/>
+            </a:schemeClr>
+          </a:lnRef>
+          <a:fillRef idx="1">
+            <a:schemeClr val="accent1"/>
+          </a:fillRef>
+          <a:effectRef idx="0">
+            <a:schemeClr val="accent1"/>
+          </a:effectRef>
+          <a:fontRef idx="minor">
+            <a:schemeClr val="lt1"/>
+          </a:fontRef>
+        </p:style>
+        <p:txBody>
+          <a:bodyPr rtlCol="0" anchor="ctr"/>
+          <a:lstStyle/>
+          <a:p>
+            <a:pPr algn="ctr"/>
+            <a:r>
+              <a:rPr lang="de-DE" dirty="0">
+                <a:solidFill>
+                  <a:srgbClr val="FF0000"/>
+                </a:solidFill>
+              </a:rPr>
+              <a:t>3</a:t>
+            </a:r>
+          </a:p>
+        </p:txBody>
+      </p:sp>
+    </p:spTree>
+    <p:extLst>
+      <p:ext uri="{BB962C8B-B14F-4D97-AF65-F5344CB8AC3E}">
+        <p14:creationId xmlns:p14="http://schemas.microsoft.com/office/powerpoint/2010/main" val="2570211011"/>
+      </p:ext>
+    </p:extLst>
+  </p:cSld>
+  <p:clrMapOvr>
+    <a:masterClrMapping/>
+  </p:clrMapOvr>
+</p:sld>
+</file>
+
+<file path=ppt/slides/slide3.xml><?xml version="1.0" encoding="utf-8"?>
+<p:sld xmlns:a="http://schemas.openxmlformats.org/drawingml/2006/main" xmlns:r="http://schemas.openxmlformats.org/officeDocument/2006/relationships" xmlns:p="http://schemas.openxmlformats.org/presentationml/2006/main">
+  <p:cSld>
+    <p:spTree>
+      <p:nvGrpSpPr>
+        <p:cNvPr id="1" name=""/>
+        <p:cNvGrpSpPr/>
+        <p:nvPr/>
+      </p:nvGrpSpPr>
+      <p:grpSpPr>
+        <a:xfrm>
+          <a:off x="0" y="0"/>
+          <a:ext cx="0" cy="0"/>
+          <a:chOff x="0" y="0"/>
+          <a:chExt cx="0" cy="0"/>
+        </a:xfrm>
+      </p:grpSpPr>
+      <p:pic>
+        <p:nvPicPr>
+          <p:cNvPr id="3" name="Grafik 2">
+            <a:extLst>
+              <a:ext uri="{FF2B5EF4-FFF2-40B4-BE49-F238E27FC236}">
+                <a16:creationId xmlns:a16="http://schemas.microsoft.com/office/drawing/2014/main" id="{F8403CAA-5F5F-8BE6-93FB-465BF7A286FB}"/>
+              </a:ext>
+            </a:extLst>
+          </p:cNvPr>
+          <p:cNvPicPr>
+            <a:picLocks noChangeAspect="1"/>
+          </p:cNvPicPr>
+          <p:nvPr/>
+        </p:nvPicPr>
+        <p:blipFill>
+          <a:blip r:embed="rId2"/>
+          <a:stretch>
+            <a:fillRect/>
+          </a:stretch>
+        </p:blipFill>
+        <p:spPr>
+          <a:xfrm>
+            <a:off x="4344298" y="866688"/>
+            <a:ext cx="5143500" cy="4000500"/>
           </a:xfrm>
           <a:prstGeom prst="rect">
             <a:avLst/>
@@ -3920,7 +4164,7 @@
         </p:nvSpPr>
         <p:spPr>
           <a:xfrm>
-            <a:off x="7637234" y="2750956"/>
+            <a:off x="7679179" y="2801290"/>
             <a:ext cx="410546" cy="410546"/>
           </a:xfrm>
           <a:prstGeom prst="ellipse">
@@ -4041,7 +4285,7 @@
 </p:sld>
 </file>
 
-<file path=ppt/slides/slide3.xml><?xml version="1.0" encoding="utf-8"?>
+<file path=ppt/slides/slide4.xml><?xml version="1.0" encoding="utf-8"?>
 <p:sld xmlns:a="http://schemas.openxmlformats.org/drawingml/2006/main" xmlns:r="http://schemas.openxmlformats.org/officeDocument/2006/relationships" xmlns:p="http://schemas.openxmlformats.org/presentationml/2006/main">
   <p:cSld>
     <p:spTree>
@@ -4060,10 +4304,10 @@
       </p:grpSpPr>
       <p:pic>
         <p:nvPicPr>
-          <p:cNvPr id="4" name="Grafik 3">
-            <a:extLst>
-              <a:ext uri="{FF2B5EF4-FFF2-40B4-BE49-F238E27FC236}">
-                <a16:creationId xmlns:a16="http://schemas.microsoft.com/office/drawing/2014/main" id="{187F47D9-CE67-7564-58B4-C86B598041D1}"/>
+          <p:cNvPr id="5" name="Grafik 4">
+            <a:extLst>
+              <a:ext uri="{FF2B5EF4-FFF2-40B4-BE49-F238E27FC236}">
+                <a16:creationId xmlns:a16="http://schemas.microsoft.com/office/drawing/2014/main" id="{BB149450-82B1-96DB-FC2B-4032A4677ED9}"/>
               </a:ext>
             </a:extLst>
           </p:cNvPr>
@@ -4080,8 +4324,8 @@
         </p:blipFill>
         <p:spPr>
           <a:xfrm>
-            <a:off x="4461629" y="1183300"/>
-            <a:ext cx="5229225" cy="4200525"/>
+            <a:off x="4490203" y="1017602"/>
+            <a:ext cx="5172075" cy="4705350"/>
           </a:xfrm>
           <a:prstGeom prst="rect">
             <a:avLst/>
